--- a/Slides/Week 5 - Graphs.pptx
+++ b/Slides/Week 5 - Graphs.pptx
@@ -246,7 +246,7 @@
           <a:p>
             <a:fld id="{F314420D-16BA-4EDC-9A71-800590EAD5A3}" type="datetimeFigureOut">
               <a:rPr lang="en-GB" smtClean="0"/>
-              <a:t>11/12/2015</a:t>
+              <a:t>22/01/2016</a:t>
             </a:fld>
             <a:endParaRPr lang="en-GB"/>
           </a:p>
@@ -2252,7 +2252,7 @@
           <a:p>
             <a:fld id="{11454AF2-527D-4AE4-85B2-1BB7775857A5}" type="datetime1">
               <a:rPr lang="en-GB" smtClean="0"/>
-              <a:t>11/12/2015</a:t>
+              <a:t>22/01/2016</a:t>
             </a:fld>
             <a:endParaRPr lang="en-GB"/>
           </a:p>
@@ -2507,7 +2507,7 @@
           <a:p>
             <a:fld id="{90D1BFF2-D93D-4705-BB24-381E17BEC669}" type="datetime1">
               <a:rPr lang="en-GB" smtClean="0"/>
-              <a:t>11/12/2015</a:t>
+              <a:t>22/01/2016</a:t>
             </a:fld>
             <a:endParaRPr lang="en-GB"/>
           </a:p>
@@ -2825,7 +2825,7 @@
           <a:p>
             <a:fld id="{6ADEBE88-D816-43DC-B24C-D499F6F5A8A8}" type="datetime1">
               <a:rPr lang="en-GB" smtClean="0"/>
-              <a:t>11/12/2015</a:t>
+              <a:t>22/01/2016</a:t>
             </a:fld>
             <a:endParaRPr lang="en-GB"/>
           </a:p>
@@ -3156,7 +3156,7 @@
           <a:p>
             <a:fld id="{6A0DEC89-426A-453B-BF48-D00FC50BEFFE}" type="datetime1">
               <a:rPr lang="en-GB" smtClean="0"/>
-              <a:t>11/12/2015</a:t>
+              <a:t>22/01/2016</a:t>
             </a:fld>
             <a:endParaRPr lang="en-GB"/>
           </a:p>
@@ -3474,7 +3474,7 @@
           <a:p>
             <a:fld id="{4FBB1A60-197C-49F7-86A3-1630494D3B8D}" type="datetime1">
               <a:rPr lang="en-GB" smtClean="0"/>
-              <a:t>11/12/2015</a:t>
+              <a:t>22/01/2016</a:t>
             </a:fld>
             <a:endParaRPr lang="en-GB"/>
           </a:p>
@@ -3865,7 +3865,7 @@
           <a:p>
             <a:fld id="{A34DB7B1-D3B3-42B9-91F1-D4323E10C1C2}" type="datetime1">
               <a:rPr lang="en-GB" smtClean="0"/>
-              <a:t>11/12/2015</a:t>
+              <a:t>22/01/2016</a:t>
             </a:fld>
             <a:endParaRPr lang="en-GB"/>
           </a:p>
@@ -4039,7 +4039,7 @@
           <a:p>
             <a:fld id="{408E3BDF-4569-4721-A571-85E0DC35557A}" type="datetime1">
               <a:rPr lang="en-GB" smtClean="0"/>
-              <a:t>11/12/2015</a:t>
+              <a:t>22/01/2016</a:t>
             </a:fld>
             <a:endParaRPr lang="en-GB"/>
           </a:p>
@@ -4223,7 +4223,7 @@
           <a:p>
             <a:fld id="{B3700E23-83ED-4F6C-AD55-95D6B0EB9300}" type="datetime1">
               <a:rPr lang="en-GB" smtClean="0"/>
-              <a:t>11/12/2015</a:t>
+              <a:t>22/01/2016</a:t>
             </a:fld>
             <a:endParaRPr lang="en-GB"/>
           </a:p>
@@ -4397,7 +4397,7 @@
           <a:p>
             <a:fld id="{216B2DEC-5C6E-4491-BF0B-EA498D4E9FCB}" type="datetime1">
               <a:rPr lang="en-GB" smtClean="0"/>
-              <a:t>11/12/2015</a:t>
+              <a:t>22/01/2016</a:t>
             </a:fld>
             <a:endParaRPr lang="en-GB"/>
           </a:p>
@@ -4648,7 +4648,7 @@
           <a:p>
             <a:fld id="{CD45C92C-2104-4A5A-B598-D894566A56F4}" type="datetime1">
               <a:rPr lang="en-GB" smtClean="0"/>
-              <a:t>11/12/2015</a:t>
+              <a:t>22/01/2016</a:t>
             </a:fld>
             <a:endParaRPr lang="en-GB"/>
           </a:p>
@@ -4884,7 +4884,7 @@
           <a:p>
             <a:fld id="{01AE1153-50C2-4CE9-B5EE-3973A16B6CEF}" type="datetime1">
               <a:rPr lang="en-GB" smtClean="0"/>
-              <a:t>11/12/2015</a:t>
+              <a:t>22/01/2016</a:t>
             </a:fld>
             <a:endParaRPr lang="en-GB"/>
           </a:p>
@@ -5262,7 +5262,7 @@
           <a:p>
             <a:fld id="{3ADCC159-C55D-45DC-B4A3-6C33D45AE7CE}" type="datetime1">
               <a:rPr lang="en-GB" smtClean="0"/>
-              <a:t>11/12/2015</a:t>
+              <a:t>22/01/2016</a:t>
             </a:fld>
             <a:endParaRPr lang="en-GB"/>
           </a:p>
@@ -5389,7 +5389,7 @@
           <a:p>
             <a:fld id="{E352AA4B-68A4-46D1-86A0-5E3C4D6303F7}" type="datetime1">
               <a:rPr lang="en-GB" smtClean="0"/>
-              <a:t>11/12/2015</a:t>
+              <a:t>22/01/2016</a:t>
             </a:fld>
             <a:endParaRPr lang="en-GB"/>
           </a:p>
@@ -5488,7 +5488,7 @@
           <a:p>
             <a:fld id="{92755FB0-C62B-49ED-A7A5-5C4BA752E292}" type="datetime1">
               <a:rPr lang="en-GB" smtClean="0"/>
-              <a:t>11/12/2015</a:t>
+              <a:t>22/01/2016</a:t>
             </a:fld>
             <a:endParaRPr lang="en-GB"/>
           </a:p>
@@ -5747,7 +5747,7 @@
           <a:p>
             <a:fld id="{D20661DD-CC26-4A5A-9ABC-DEA77C0EC715}" type="datetime1">
               <a:rPr lang="en-GB" smtClean="0"/>
-              <a:t>11/12/2015</a:t>
+              <a:t>22/01/2016</a:t>
             </a:fld>
             <a:endParaRPr lang="en-GB"/>
           </a:p>
@@ -6014,7 +6014,7 @@
           <a:p>
             <a:fld id="{69FECE05-9CEC-46F9-A226-9CCAD8202D75}" type="datetime1">
               <a:rPr lang="en-GB" smtClean="0"/>
-              <a:t>11/12/2015</a:t>
+              <a:t>22/01/2016</a:t>
             </a:fld>
             <a:endParaRPr lang="en-GB"/>
           </a:p>
@@ -6763,7 +6763,7 @@
           <a:p>
             <a:fld id="{4FC71C82-A776-48E4-B6F4-195D61CBF8AF}" type="datetime1">
               <a:rPr lang="en-GB" smtClean="0"/>
-              <a:t>11/12/2015</a:t>
+              <a:t>22/01/2016</a:t>
             </a:fld>
             <a:endParaRPr lang="en-GB"/>
           </a:p>
@@ -7477,8 +7477,8 @@
           </a:p>
         </p:txBody>
       </p:sp>
-      <mc:AlternateContent xmlns:mc="http://schemas.openxmlformats.org/markup-compatibility/2006">
-        <mc:Choice xmlns:a14="http://schemas.microsoft.com/office/drawing/2010/main" Requires="a14">
+      <mc:AlternateContent xmlns:mc="http://schemas.openxmlformats.org/markup-compatibility/2006" xmlns:a14="http://schemas.microsoft.com/office/drawing/2010/main">
+        <mc:Choice Requires="a14">
           <p:sp>
             <p:nvSpPr>
               <p:cNvPr id="3" name="Content Placeholder 2"/>
@@ -7708,12 +7708,11 @@
                   <a:rPr lang="en-US" dirty="0" smtClean="0"/>
                   <a:t>When the graph is sparse (= few edges), adjacency lists are more efficient</a:t>
                 </a:r>
-                <a:endParaRPr lang="en-US" dirty="0" smtClean="0"/>
               </a:p>
             </p:txBody>
           </p:sp>
         </mc:Choice>
-        <mc:Fallback>
+        <mc:Fallback xmlns="">
           <p:sp>
             <p:nvSpPr>
               <p:cNvPr id="3" name="Content Placeholder 2"/>
@@ -8268,18 +8267,14 @@
           <a:p>
             <a:r>
               <a:rPr lang="en-GB" dirty="0" smtClean="0"/>
-              <a:t>Graphs – </a:t>
-            </a:r>
-            <a:r>
-              <a:rPr lang="en-GB" dirty="0" smtClean="0"/>
-              <a:t>Definition of digraph</a:t>
+              <a:t>Graphs – Definition of digraph</a:t>
             </a:r>
             <a:endParaRPr lang="en-GB" dirty="0"/>
           </a:p>
         </p:txBody>
       </p:sp>
-      <mc:AlternateContent xmlns:mc="http://schemas.openxmlformats.org/markup-compatibility/2006">
-        <mc:Choice xmlns:a14="http://schemas.microsoft.com/office/drawing/2010/main" Requires="a14">
+      <mc:AlternateContent xmlns:mc="http://schemas.openxmlformats.org/markup-compatibility/2006" xmlns:a14="http://schemas.microsoft.com/office/drawing/2010/main">
+        <mc:Choice Requires="a14">
           <p:sp>
             <p:nvSpPr>
               <p:cNvPr id="3" name="Content Placeholder 2"/>
@@ -8474,11 +8469,7 @@
                 <a:pPr lvl="2"/>
                 <a:r>
                   <a:rPr lang="en-US" dirty="0" smtClean="0"/>
-                  <a:t>the </a:t>
-                </a:r>
-                <a:r>
-                  <a:rPr lang="en-US" dirty="0" smtClean="0"/>
-                  <a:t>edge </a:t>
+                  <a:t>the edge </a:t>
                 </a:r>
                 <a14:m>
                   <m:oMath xmlns:m="http://schemas.openxmlformats.org/officeDocument/2006/math">
@@ -8524,7 +8515,6 @@
                   <a:rPr lang="en-US" dirty="0" smtClean="0"/>
                   <a:t> </a:t>
                 </a:r>
-                <a:endParaRPr lang="en-US" dirty="0" smtClean="0"/>
               </a:p>
               <a:p>
                 <a:pPr lvl="2"/>
@@ -8548,11 +8538,7 @@
                 </a:r>
                 <a:r>
                   <a:rPr lang="en-US" i="1" dirty="0" smtClean="0"/>
-                  <a:t>erminates/is </a:t>
-                </a:r>
-                <a:r>
-                  <a:rPr lang="en-US" i="1" dirty="0" smtClean="0"/>
-                  <a:t>incident to</a:t>
+                  <a:t>erminates/is incident to</a:t>
                 </a:r>
                 <a:r>
                   <a:rPr lang="en-US" dirty="0" smtClean="0"/>
@@ -8573,7 +8559,7 @@
             </p:txBody>
           </p:sp>
         </mc:Choice>
-        <mc:Fallback>
+        <mc:Fallback xmlns="">
           <p:sp>
             <p:nvSpPr>
               <p:cNvPr id="3" name="Content Placeholder 2"/>
@@ -8708,13 +8694,8 @@
           <a:p>
             <a:r>
               <a:rPr lang="en-GB" dirty="0"/>
-              <a:t>Graphs – </a:t>
-            </a:r>
-            <a:r>
-              <a:rPr lang="en-GB" dirty="0"/>
-              <a:t>Representation of digraphs</a:t>
-            </a:r>
-            <a:endParaRPr lang="en-GB" dirty="0"/>
+              <a:t>Graphs – Representation of digraphs</a:t>
+            </a:r>
           </a:p>
         </p:txBody>
       </p:sp>
@@ -8759,11 +8740,7 @@
             </a:r>
             <a:r>
               <a:rPr lang="en-US" dirty="0" smtClean="0"/>
-              <a:t>graph, </a:t>
-            </a:r>
-            <a:r>
-              <a:rPr lang="en-US" dirty="0" smtClean="0"/>
-              <a:t>store a list containing the </a:t>
+              <a:t>graph, store a list containing the </a:t>
             </a:r>
             <a:r>
               <a:rPr lang="en-US" dirty="0"/>
@@ -9287,13 +9264,8 @@
           <a:p>
             <a:r>
               <a:rPr lang="en-GB" dirty="0"/>
-              <a:t>Graphs – </a:t>
-            </a:r>
-            <a:r>
-              <a:rPr lang="en-GB" dirty="0"/>
-              <a:t>Representation of digraphs</a:t>
-            </a:r>
-            <a:endParaRPr lang="en-GB" dirty="0"/>
+              <a:t>Graphs – Representation of digraphs</a:t>
+            </a:r>
           </a:p>
         </p:txBody>
       </p:sp>
@@ -9720,8 +9692,8 @@
           </a:p>
         </p:txBody>
       </p:sp>
-      <mc:AlternateContent xmlns:mc="http://schemas.openxmlformats.org/markup-compatibility/2006">
-        <mc:Choice xmlns:a14="http://schemas.microsoft.com/office/drawing/2010/main" Requires="a14">
+      <mc:AlternateContent xmlns:mc="http://schemas.openxmlformats.org/markup-compatibility/2006" xmlns:a14="http://schemas.microsoft.com/office/drawing/2010/main">
+        <mc:Choice Requires="a14">
           <p:sp>
             <p:nvSpPr>
               <p:cNvPr id="3" name="Content Placeholder 2"/>
@@ -9774,15 +9746,7 @@
                 <a:pPr lvl="1"/>
                 <a:r>
                   <a:rPr lang="en-GB" dirty="0" smtClean="0"/>
-                  <a:t>Same </a:t>
-                </a:r>
-                <a:r>
-                  <a:rPr lang="en-GB" dirty="0" smtClean="0"/>
-                  <a:t>concept </a:t>
-                </a:r>
-                <a:r>
-                  <a:rPr lang="en-GB" dirty="0" smtClean="0"/>
-                  <a:t>as in undirected graphs </a:t>
+                  <a:t>Same concept as in undirected graphs </a:t>
                 </a:r>
               </a:p>
               <a:p>
@@ -10180,7 +10144,7 @@
             </p:txBody>
           </p:sp>
         </mc:Choice>
-        <mc:Fallback>
+        <mc:Fallback xmlns="">
           <p:sp>
             <p:nvSpPr>
               <p:cNvPr id="3" name="Content Placeholder 2"/>
@@ -10323,8 +10287,8 @@
           </a:p>
         </p:txBody>
       </p:sp>
-      <mc:AlternateContent xmlns:mc="http://schemas.openxmlformats.org/markup-compatibility/2006">
-        <mc:Choice xmlns:a14="http://schemas.microsoft.com/office/drawing/2010/main" Requires="a14">
+      <mc:AlternateContent xmlns:mc="http://schemas.openxmlformats.org/markup-compatibility/2006" xmlns:a14="http://schemas.microsoft.com/office/drawing/2010/main">
+        <mc:Choice Requires="a14">
           <p:sp>
             <p:nvSpPr>
               <p:cNvPr id="3" name="Content Placeholder 2"/>
@@ -10482,11 +10446,7 @@
                 </a:r>
                 <a:r>
                   <a:rPr lang="en-US" dirty="0" smtClean="0"/>
-                  <a:t>vertex to each other vertex in a </a:t>
-                </a:r>
-                <a:r>
-                  <a:rPr lang="en-US" dirty="0" smtClean="0"/>
-                  <a:t>(di)graph</a:t>
+                  <a:t>vertex to each other vertex in a (di)graph</a:t>
                 </a:r>
                 <a:endParaRPr lang="en-US" dirty="0"/>
               </a:p>
@@ -10499,7 +10459,7 @@
             </p:txBody>
           </p:sp>
         </mc:Choice>
-        <mc:Fallback>
+        <mc:Fallback xmlns="">
           <p:sp>
             <p:nvSpPr>
               <p:cNvPr id="3" name="Content Placeholder 2"/>
@@ -36971,7 +36931,7 @@
         </p:nvSpPr>
         <p:spPr>
           <a:xfrm>
-            <a:off x="2388416" y="5712233"/>
+            <a:off x="2472231" y="5742885"/>
             <a:ext cx="6200203" cy="954107"/>
           </a:xfrm>
           <a:prstGeom prst="rect">
@@ -38168,11 +38128,11 @@
   <p:clrMapOvr>
     <a:masterClrMapping/>
   </p:clrMapOvr>
-  <mc:AlternateContent xmlns:mc="http://schemas.openxmlformats.org/markup-compatibility/2006">
-    <mc:Choice xmlns:p14="http://schemas.microsoft.com/office/powerpoint/2010/main" Requires="p14">
+  <mc:AlternateContent xmlns:mc="http://schemas.openxmlformats.org/markup-compatibility/2006" xmlns:p14="http://schemas.microsoft.com/office/powerpoint/2010/main">
+    <mc:Choice Requires="p14">
       <p:transition spd="slow" p14:dur="2000"/>
     </mc:Choice>
-    <mc:Fallback>
+    <mc:Fallback xmlns="">
       <p:transition spd="slow"/>
     </mc:Fallback>
   </mc:AlternateContent>
@@ -39030,11 +38990,11 @@
   <p:clrMapOvr>
     <a:masterClrMapping/>
   </p:clrMapOvr>
-  <mc:AlternateContent xmlns:mc="http://schemas.openxmlformats.org/markup-compatibility/2006">
-    <mc:Choice xmlns:p14="http://schemas.microsoft.com/office/powerpoint/2010/main" Requires="p14">
+  <mc:AlternateContent xmlns:mc="http://schemas.openxmlformats.org/markup-compatibility/2006" xmlns:p14="http://schemas.microsoft.com/office/powerpoint/2010/main">
+    <mc:Choice Requires="p14">
       <p:transition spd="slow" p14:dur="2000"/>
     </mc:Choice>
-    <mc:Fallback>
+    <mc:Fallback xmlns="">
       <p:transition spd="slow"/>
     </mc:Fallback>
   </mc:AlternateContent>
@@ -39082,18 +39042,14 @@
           <a:p>
             <a:r>
               <a:rPr lang="en-GB" dirty="0" smtClean="0"/>
-              <a:t>Graphs </a:t>
-            </a:r>
-            <a:r>
-              <a:rPr lang="en-GB" dirty="0" smtClean="0"/>
-              <a:t>– Definition  </a:t>
+              <a:t>Graphs – Definition  </a:t>
             </a:r>
             <a:endParaRPr lang="en-GB" dirty="0"/>
           </a:p>
         </p:txBody>
       </p:sp>
-      <mc:AlternateContent xmlns:mc="http://schemas.openxmlformats.org/markup-compatibility/2006">
-        <mc:Choice xmlns:a14="http://schemas.microsoft.com/office/drawing/2010/main" Requires="a14">
+      <mc:AlternateContent xmlns:mc="http://schemas.openxmlformats.org/markup-compatibility/2006" xmlns:a14="http://schemas.microsoft.com/office/drawing/2010/main">
+        <mc:Choice Requires="a14">
           <p:sp>
             <p:nvSpPr>
               <p:cNvPr id="3" name="Content Placeholder 2"/>
@@ -39116,11 +39072,7 @@
               <a:p>
                 <a:r>
                   <a:rPr lang="en-US" dirty="0" smtClean="0"/>
-                  <a:t>Nonlinear </a:t>
-                </a:r>
-                <a:r>
-                  <a:rPr lang="en-US" dirty="0" smtClean="0"/>
-                  <a:t>structure made by</a:t>
+                  <a:t>Nonlinear structure made by</a:t>
                 </a:r>
               </a:p>
               <a:p>
@@ -39312,7 +39264,7 @@
             </p:txBody>
           </p:sp>
         </mc:Choice>
-        <mc:Fallback>
+        <mc:Fallback xmlns="">
           <p:sp>
             <p:nvSpPr>
               <p:cNvPr id="3" name="Content Placeholder 2"/>
@@ -39482,8 +39434,8 @@
           </a:p>
         </p:txBody>
       </p:sp>
-      <mc:AlternateContent xmlns:mc="http://schemas.openxmlformats.org/markup-compatibility/2006">
-        <mc:Choice xmlns:a14="http://schemas.microsoft.com/office/drawing/2010/main" Requires="a14">
+      <mc:AlternateContent xmlns:mc="http://schemas.openxmlformats.org/markup-compatibility/2006" xmlns:a14="http://schemas.microsoft.com/office/drawing/2010/main">
+        <mc:Choice Requires="a14">
           <p:sp>
             <p:nvSpPr>
               <p:cNvPr id="3" name="Tijdelijke aanduiding voor inhoud 2"/>
@@ -39602,7 +39554,7 @@
             </p:txBody>
           </p:sp>
         </mc:Choice>
-        <mc:Fallback>
+        <mc:Fallback xmlns="">
           <p:sp>
             <p:nvSpPr>
               <p:cNvPr id="3" name="Tijdelijke aanduiding voor inhoud 2"/>
@@ -39669,11 +39621,11 @@
   <p:clrMapOvr>
     <a:masterClrMapping/>
   </p:clrMapOvr>
-  <mc:AlternateContent xmlns:mc="http://schemas.openxmlformats.org/markup-compatibility/2006">
-    <mc:Choice xmlns:p14="http://schemas.microsoft.com/office/powerpoint/2010/main" Requires="p14">
+  <mc:AlternateContent xmlns:mc="http://schemas.openxmlformats.org/markup-compatibility/2006" xmlns:p14="http://schemas.microsoft.com/office/powerpoint/2010/main">
+    <mc:Choice Requires="p14">
       <p:transition spd="slow" p14:dur="2000"/>
     </mc:Choice>
-    <mc:Fallback>
+    <mc:Fallback xmlns="">
       <p:transition spd="slow"/>
     </mc:Fallback>
   </mc:AlternateContent>
@@ -39720,8 +39672,8 @@
           </a:p>
         </p:txBody>
       </p:sp>
-      <mc:AlternateContent xmlns:mc="http://schemas.openxmlformats.org/markup-compatibility/2006">
-        <mc:Choice xmlns:a14="http://schemas.microsoft.com/office/drawing/2010/main" Requires="a14">
+      <mc:AlternateContent xmlns:mc="http://schemas.openxmlformats.org/markup-compatibility/2006" xmlns:a14="http://schemas.microsoft.com/office/drawing/2010/main">
+        <mc:Choice Requires="a14">
           <p:sp>
             <p:nvSpPr>
               <p:cNvPr id="3" name="Content Placeholder 2"/>
@@ -40290,7 +40242,7 @@
             </p:txBody>
           </p:sp>
         </mc:Choice>
-        <mc:Fallback>
+        <mc:Fallback xmlns="">
           <p:sp>
             <p:nvSpPr>
               <p:cNvPr id="3" name="Content Placeholder 2"/>
@@ -40375,8 +40327,8 @@
           </a:prstGeom>
         </p:spPr>
       </p:pic>
-      <mc:AlternateContent xmlns:mc="http://schemas.openxmlformats.org/markup-compatibility/2006">
-        <mc:Choice xmlns:a14="http://schemas.microsoft.com/office/drawing/2010/main" Requires="a14">
+      <mc:AlternateContent xmlns:mc="http://schemas.openxmlformats.org/markup-compatibility/2006" xmlns:a14="http://schemas.microsoft.com/office/drawing/2010/main">
+        <mc:Choice Requires="a14">
           <p:sp>
             <p:nvSpPr>
               <p:cNvPr id="6" name="TextBox 5"/>
@@ -40481,7 +40433,7 @@
             </p:txBody>
           </p:sp>
         </mc:Choice>
-        <mc:Fallback>
+        <mc:Fallback xmlns="">
           <p:sp>
             <p:nvSpPr>
               <p:cNvPr id="6" name="TextBox 5"/>
@@ -40520,8 +40472,8 @@
           </p:sp>
         </mc:Fallback>
       </mc:AlternateContent>
-      <mc:AlternateContent xmlns:mc="http://schemas.openxmlformats.org/markup-compatibility/2006">
-        <mc:Choice xmlns:a14="http://schemas.microsoft.com/office/drawing/2010/main" Requires="a14">
+      <mc:AlternateContent xmlns:mc="http://schemas.openxmlformats.org/markup-compatibility/2006" xmlns:a14="http://schemas.microsoft.com/office/drawing/2010/main">
+        <mc:Choice Requires="a14">
           <p:sp>
             <p:nvSpPr>
               <p:cNvPr id="7" name="Rectangle 6"/>
@@ -40630,7 +40582,7 @@
             </p:txBody>
           </p:sp>
         </mc:Choice>
-        <mc:Fallback>
+        <mc:Fallback xmlns="">
           <p:sp>
             <p:nvSpPr>
               <p:cNvPr id="7" name="Rectangle 6"/>
